--- a/IM Proposal Presentation.pptx
+++ b/IM Proposal Presentation.pptx
@@ -110,6 +110,11 @@
       </a:defRPr>
     </a:lvl9pPr>
   </p:defaultTextStyle>
+  <p:extLst>
+    <p:ext uri="{EFAFB233-063F-42B5-8137-9DF3F51BA10A}">
+      <p15:sldGuideLst xmlns:p15="http://schemas.microsoft.com/office/powerpoint/2012/main"/>
+    </p:ext>
+  </p:extLst>
 </p:presentation>
 </file>
 
@@ -1091,6 +1096,29 @@
       </pc:sldMasterChg>
     </pc:docChg>
   </pc:docChgLst>
+  <pc:docChgLst>
+    <pc:chgData name="Christopher Womble" userId="327957935e72a9fa" providerId="LiveId" clId="{AD31ADA9-D51E-4E71-9B85-BDF0B8275501}"/>
+    <pc:docChg chg="modSld sldOrd">
+      <pc:chgData name="Christopher Womble" userId="327957935e72a9fa" providerId="LiveId" clId="{AD31ADA9-D51E-4E71-9B85-BDF0B8275501}" dt="2024-02-29T20:53:53.498" v="3"/>
+      <pc:docMkLst>
+        <pc:docMk/>
+      </pc:docMkLst>
+      <pc:sldChg chg="ord">
+        <pc:chgData name="Christopher Womble" userId="327957935e72a9fa" providerId="LiveId" clId="{AD31ADA9-D51E-4E71-9B85-BDF0B8275501}" dt="2024-02-29T20:53:53.498" v="3"/>
+        <pc:sldMkLst>
+          <pc:docMk/>
+          <pc:sldMk cId="2240942505" sldId="258"/>
+        </pc:sldMkLst>
+      </pc:sldChg>
+      <pc:sldChg chg="ord">
+        <pc:chgData name="Christopher Womble" userId="327957935e72a9fa" providerId="LiveId" clId="{AD31ADA9-D51E-4E71-9B85-BDF0B8275501}" dt="2024-02-29T20:53:51.449" v="1"/>
+        <pc:sldMkLst>
+          <pc:docMk/>
+          <pc:sldMk cId="3001211490" sldId="260"/>
+        </pc:sldMkLst>
+      </pc:sldChg>
+    </pc:docChg>
+  </pc:docChgLst>
 </pc:chgInfo>
 </file>
 
@@ -6784,7 +6812,7 @@
           <a:p>
             <a:fld id="{326951E3-958F-4611-B170-D081BA0250F9}" type="datetimeFigureOut">
               <a:rPr lang="en-US" smtClean="0"/>
-              <a:t>2/27/2024</a:t>
+              <a:t>2/29/2024</a:t>
             </a:fld>
             <a:endParaRPr lang="en-US"/>
           </a:p>
@@ -6982,7 +7010,7 @@
           <a:p>
             <a:fld id="{326951E3-958F-4611-B170-D081BA0250F9}" type="datetimeFigureOut">
               <a:rPr lang="en-US" smtClean="0"/>
-              <a:t>2/27/2024</a:t>
+              <a:t>2/29/2024</a:t>
             </a:fld>
             <a:endParaRPr lang="en-US"/>
           </a:p>
@@ -7190,7 +7218,7 @@
           <a:p>
             <a:fld id="{326951E3-958F-4611-B170-D081BA0250F9}" type="datetimeFigureOut">
               <a:rPr lang="en-US" smtClean="0"/>
-              <a:t>2/27/2024</a:t>
+              <a:t>2/29/2024</a:t>
             </a:fld>
             <a:endParaRPr lang="en-US"/>
           </a:p>
@@ -7388,7 +7416,7 @@
           <a:p>
             <a:fld id="{326951E3-958F-4611-B170-D081BA0250F9}" type="datetimeFigureOut">
               <a:rPr lang="en-US" smtClean="0"/>
-              <a:t>2/27/2024</a:t>
+              <a:t>2/29/2024</a:t>
             </a:fld>
             <a:endParaRPr lang="en-US"/>
           </a:p>
@@ -7665,7 +7693,7 @@
           <a:p>
             <a:fld id="{326951E3-958F-4611-B170-D081BA0250F9}" type="datetimeFigureOut">
               <a:rPr lang="en-US" smtClean="0"/>
-              <a:t>2/27/2024</a:t>
+              <a:t>2/29/2024</a:t>
             </a:fld>
             <a:endParaRPr lang="en-US"/>
           </a:p>
@@ -7930,7 +7958,7 @@
           <a:p>
             <a:fld id="{326951E3-958F-4611-B170-D081BA0250F9}" type="datetimeFigureOut">
               <a:rPr lang="en-US" smtClean="0"/>
-              <a:t>2/27/2024</a:t>
+              <a:t>2/29/2024</a:t>
             </a:fld>
             <a:endParaRPr lang="en-US"/>
           </a:p>
@@ -8352,7 +8380,7 @@
           <a:p>
             <a:fld id="{326951E3-958F-4611-B170-D081BA0250F9}" type="datetimeFigureOut">
               <a:rPr lang="en-US" smtClean="0"/>
-              <a:t>2/27/2024</a:t>
+              <a:t>2/29/2024</a:t>
             </a:fld>
             <a:endParaRPr lang="en-US"/>
           </a:p>
@@ -8504,7 +8532,7 @@
           <a:p>
             <a:fld id="{326951E3-958F-4611-B170-D081BA0250F9}" type="datetimeFigureOut">
               <a:rPr lang="en-US" smtClean="0"/>
-              <a:t>2/27/2024</a:t>
+              <a:t>2/29/2024</a:t>
             </a:fld>
             <a:endParaRPr lang="en-US"/>
           </a:p>
@@ -8617,7 +8645,7 @@
           <a:p>
             <a:fld id="{326951E3-958F-4611-B170-D081BA0250F9}" type="datetimeFigureOut">
               <a:rPr lang="en-US" smtClean="0"/>
-              <a:t>2/27/2024</a:t>
+              <a:t>2/29/2024</a:t>
             </a:fld>
             <a:endParaRPr lang="en-US"/>
           </a:p>
@@ -8935,7 +8963,7 @@
           <a:p>
             <a:fld id="{326951E3-958F-4611-B170-D081BA0250F9}" type="datetimeFigureOut">
               <a:rPr lang="en-US" smtClean="0"/>
-              <a:t>2/27/2024</a:t>
+              <a:t>2/29/2024</a:t>
             </a:fld>
             <a:endParaRPr lang="en-US"/>
           </a:p>
@@ -9271,7 +9299,7 @@
           <a:p>
             <a:fld id="{326951E3-958F-4611-B170-D081BA0250F9}" type="datetimeFigureOut">
               <a:rPr lang="en-US" smtClean="0"/>
-              <a:t>2/27/2024</a:t>
+              <a:t>2/29/2024</a:t>
             </a:fld>
             <a:endParaRPr lang="en-US"/>
           </a:p>
@@ -9560,7 +9588,7 @@
             <a:fld id="{326951E3-958F-4611-B170-D081BA0250F9}" type="datetimeFigureOut">
               <a:rPr lang="en-US" smtClean="0"/>
               <a:pPr/>
-              <a:t>2/27/2024</a:t>
+              <a:t>2/29/2024</a:t>
             </a:fld>
             <a:endParaRPr lang="en-US" dirty="0"/>
           </a:p>
